--- a/Präsentation1.pptx
+++ b/Präsentation1.pptx
@@ -202,7 +202,7 @@
           <a:p>
             <a:fld id="{26775488-7216-40FC-A30D-49C944514F35}" type="datetimeFigureOut">
               <a:rPr lang="de-DE" smtClean="0"/>
-              <a:t>13.02.2025</a:t>
+              <a:t>14.02.2025</a:t>
             </a:fld>
             <a:endParaRPr lang="de-DE"/>
           </a:p>
@@ -617,7 +617,7 @@
           <a:p>
             <a:fld id="{015B626B-D4BB-4D1C-A55F-673540EF5C5A}" type="datetimeFigureOut">
               <a:rPr lang="de-DE" smtClean="0"/>
-              <a:t>13.02.2025</a:t>
+              <a:t>14.02.2025</a:t>
             </a:fld>
             <a:endParaRPr lang="de-DE"/>
           </a:p>
@@ -815,7 +815,7 @@
           <a:p>
             <a:fld id="{015B626B-D4BB-4D1C-A55F-673540EF5C5A}" type="datetimeFigureOut">
               <a:rPr lang="de-DE" smtClean="0"/>
-              <a:t>13.02.2025</a:t>
+              <a:t>14.02.2025</a:t>
             </a:fld>
             <a:endParaRPr lang="de-DE"/>
           </a:p>
@@ -1023,7 +1023,7 @@
           <a:p>
             <a:fld id="{015B626B-D4BB-4D1C-A55F-673540EF5C5A}" type="datetimeFigureOut">
               <a:rPr lang="de-DE" smtClean="0"/>
-              <a:t>13.02.2025</a:t>
+              <a:t>14.02.2025</a:t>
             </a:fld>
             <a:endParaRPr lang="de-DE"/>
           </a:p>
@@ -1221,7 +1221,7 @@
           <a:p>
             <a:fld id="{015B626B-D4BB-4D1C-A55F-673540EF5C5A}" type="datetimeFigureOut">
               <a:rPr lang="de-DE" smtClean="0"/>
-              <a:t>13.02.2025</a:t>
+              <a:t>14.02.2025</a:t>
             </a:fld>
             <a:endParaRPr lang="de-DE"/>
           </a:p>
@@ -1496,7 +1496,7 @@
           <a:p>
             <a:fld id="{015B626B-D4BB-4D1C-A55F-673540EF5C5A}" type="datetimeFigureOut">
               <a:rPr lang="de-DE" smtClean="0"/>
-              <a:t>13.02.2025</a:t>
+              <a:t>14.02.2025</a:t>
             </a:fld>
             <a:endParaRPr lang="de-DE"/>
           </a:p>
@@ -1761,7 +1761,7 @@
           <a:p>
             <a:fld id="{015B626B-D4BB-4D1C-A55F-673540EF5C5A}" type="datetimeFigureOut">
               <a:rPr lang="de-DE" smtClean="0"/>
-              <a:t>13.02.2025</a:t>
+              <a:t>14.02.2025</a:t>
             </a:fld>
             <a:endParaRPr lang="de-DE"/>
           </a:p>
@@ -2173,7 +2173,7 @@
           <a:p>
             <a:fld id="{015B626B-D4BB-4D1C-A55F-673540EF5C5A}" type="datetimeFigureOut">
               <a:rPr lang="de-DE" smtClean="0"/>
-              <a:t>13.02.2025</a:t>
+              <a:t>14.02.2025</a:t>
             </a:fld>
             <a:endParaRPr lang="de-DE"/>
           </a:p>
@@ -2314,7 +2314,7 @@
           <a:p>
             <a:fld id="{015B626B-D4BB-4D1C-A55F-673540EF5C5A}" type="datetimeFigureOut">
               <a:rPr lang="de-DE" smtClean="0"/>
-              <a:t>13.02.2025</a:t>
+              <a:t>14.02.2025</a:t>
             </a:fld>
             <a:endParaRPr lang="de-DE"/>
           </a:p>
@@ -2427,7 +2427,7 @@
           <a:p>
             <a:fld id="{015B626B-D4BB-4D1C-A55F-673540EF5C5A}" type="datetimeFigureOut">
               <a:rPr lang="de-DE" smtClean="0"/>
-              <a:t>13.02.2025</a:t>
+              <a:t>14.02.2025</a:t>
             </a:fld>
             <a:endParaRPr lang="de-DE"/>
           </a:p>
@@ -2738,7 +2738,7 @@
           <a:p>
             <a:fld id="{015B626B-D4BB-4D1C-A55F-673540EF5C5A}" type="datetimeFigureOut">
               <a:rPr lang="de-DE" smtClean="0"/>
-              <a:t>13.02.2025</a:t>
+              <a:t>14.02.2025</a:t>
             </a:fld>
             <a:endParaRPr lang="de-DE"/>
           </a:p>
@@ -3026,7 +3026,7 @@
           <a:p>
             <a:fld id="{015B626B-D4BB-4D1C-A55F-673540EF5C5A}" type="datetimeFigureOut">
               <a:rPr lang="de-DE" smtClean="0"/>
-              <a:t>13.02.2025</a:t>
+              <a:t>14.02.2025</a:t>
             </a:fld>
             <a:endParaRPr lang="de-DE"/>
           </a:p>
@@ -3267,7 +3267,7 @@
           <a:p>
             <a:fld id="{015B626B-D4BB-4D1C-A55F-673540EF5C5A}" type="datetimeFigureOut">
               <a:rPr lang="de-DE" smtClean="0"/>
-              <a:t>13.02.2025</a:t>
+              <a:t>14.02.2025</a:t>
             </a:fld>
             <a:endParaRPr lang="de-DE"/>
           </a:p>
@@ -4122,8 +4122,18 @@
           <a:lstStyle/>
           <a:p>
             <a:r>
+              <a:rPr dirty="0" err="1">
+                <a:solidFill>
+                  <a:schemeClr val="bg1"/>
+                </a:solidFill>
+              </a:rPr>
               <a:t>Einleitung</a:t>
             </a:r>
+            <a:endParaRPr dirty="0">
+              <a:solidFill>
+                <a:schemeClr val="bg1"/>
+              </a:solidFill>
+            </a:endParaRPr>
           </a:p>
         </p:txBody>
       </p:sp>
@@ -4320,19 +4330,31 @@
           </a:lstStyle>
           <a:p>
             <a:r>
-              <a:rPr lang="de-DE"/>
+              <a:rPr lang="de-DE">
+                <a:solidFill>
+                  <a:schemeClr val="bg1"/>
+                </a:solidFill>
+              </a:rPr>
               <a:t>- Die steigende Anzahl internetfähiger Geräte führt zu einer Verknappung der IPv4-Adressen.</a:t>
             </a:r>
           </a:p>
           <a:p>
             <a:r>
-              <a:rPr lang="de-DE"/>
+              <a:rPr lang="de-DE">
+                <a:solidFill>
+                  <a:schemeClr val="bg1"/>
+                </a:solidFill>
+              </a:rPr>
               <a:t>- Netzwerkadressübersetzungstechniken (NAT &amp; PAT) helfen, dieses Problem zu lösen.</a:t>
             </a:r>
           </a:p>
           <a:p>
             <a:r>
-              <a:rPr lang="de-DE"/>
+              <a:rPr lang="de-DE">
+                <a:solidFill>
+                  <a:schemeClr val="bg1"/>
+                </a:solidFill>
+              </a:rPr>
               <a:t>- PAT spielt eine zentrale Rolle in modernen Netzwerken.</a:t>
             </a:r>
           </a:p>
@@ -4426,7 +4448,7 @@
         </p:nvSpPr>
         <p:spPr>
           <a:xfrm>
-            <a:off x="1701800" y="846138"/>
+            <a:off x="459596" y="359405"/>
             <a:ext cx="8229600" cy="1143000"/>
           </a:xfrm>
         </p:spPr>
@@ -4435,15 +4457,27 @@
           <a:lstStyle/>
           <a:p>
             <a:r>
-              <a:rPr dirty="0"/>
+              <a:rPr dirty="0">
+                <a:solidFill>
+                  <a:schemeClr val="bg1"/>
+                </a:solidFill>
+              </a:rPr>
               <a:t>Was </a:t>
             </a:r>
             <a:r>
-              <a:rPr dirty="0" err="1"/>
+              <a:rPr dirty="0" err="1">
+                <a:solidFill>
+                  <a:schemeClr val="bg1"/>
+                </a:solidFill>
+              </a:rPr>
               <a:t>ist</a:t>
             </a:r>
             <a:r>
-              <a:rPr dirty="0"/>
+              <a:rPr dirty="0">
+                <a:solidFill>
+                  <a:schemeClr val="bg1"/>
+                </a:solidFill>
+              </a:rPr>
               <a:t> PAT?</a:t>
             </a:r>
           </a:p>
@@ -4465,7 +4499,7 @@
         </p:nvSpPr>
         <p:spPr>
           <a:xfrm>
-            <a:off x="1701800" y="2171700"/>
+            <a:off x="459596" y="1662742"/>
             <a:ext cx="8229600" cy="4525963"/>
           </a:xfrm>
           <a:prstGeom prst="rect">
@@ -4642,27 +4676,47 @@
           </a:lstStyle>
           <a:p>
             <a:r>
-              <a:rPr lang="de-DE" dirty="0"/>
+              <a:rPr lang="de-DE" dirty="0">
+                <a:solidFill>
+                  <a:schemeClr val="bg1"/>
+                </a:solidFill>
+              </a:rPr>
               <a:t>- PAT (auch NAPT oder NAT </a:t>
             </a:r>
             <a:r>
-              <a:rPr lang="de-DE" dirty="0" err="1"/>
+              <a:rPr lang="de-DE" dirty="0" err="1">
+                <a:solidFill>
+                  <a:schemeClr val="bg1"/>
+                </a:solidFill>
+              </a:rPr>
               <a:t>Overload</a:t>
             </a:r>
             <a:r>
-              <a:rPr lang="de-DE" dirty="0"/>
+              <a:rPr lang="de-DE" dirty="0">
+                <a:solidFill>
+                  <a:schemeClr val="bg1"/>
+                </a:solidFill>
+              </a:rPr>
               <a:t> genannt) ist eine Erweiterung von NAT.</a:t>
             </a:r>
           </a:p>
           <a:p>
             <a:r>
-              <a:rPr lang="de-DE" dirty="0"/>
+              <a:rPr lang="de-DE" dirty="0">
+                <a:solidFill>
+                  <a:schemeClr val="bg1"/>
+                </a:solidFill>
+              </a:rPr>
               <a:t>- Ermöglicht mehreren Geräten den Zugriff auf das Internet mit einer einzigen öffentlichen IP-Adresse.</a:t>
             </a:r>
           </a:p>
           <a:p>
             <a:r>
-              <a:rPr lang="de-DE" dirty="0"/>
+              <a:rPr lang="de-DE" dirty="0">
+                <a:solidFill>
+                  <a:schemeClr val="bg1"/>
+                </a:solidFill>
+              </a:rPr>
               <a:t>- Zuweisung einer eindeutigen Portnummer zur Identifikation der Verbindungen.</a:t>
             </a:r>
           </a:p>
@@ -4765,6 +4819,11 @@
           <a:lstStyle/>
           <a:p>
             <a:r>
+              <a:rPr>
+                <a:solidFill>
+                  <a:schemeClr val="bg1"/>
+                </a:solidFill>
+              </a:rPr>
               <a:t>Wie funktioniert PAT?</a:t>
             </a:r>
           </a:p>
@@ -4963,19 +5022,31 @@
           </a:lstStyle>
           <a:p>
             <a:r>
-              <a:rPr lang="de-DE"/>
+              <a:rPr lang="de-DE">
+                <a:solidFill>
+                  <a:schemeClr val="bg1"/>
+                </a:solidFill>
+              </a:rPr>
               <a:t>- Der Router weist jeder Verbindung eine Portnummer zu.</a:t>
             </a:r>
           </a:p>
           <a:p>
             <a:r>
-              <a:rPr lang="de-DE"/>
+              <a:rPr lang="de-DE">
+                <a:solidFill>
+                  <a:schemeClr val="bg1"/>
+                </a:solidFill>
+              </a:rPr>
               <a:t>- Die PAT-Tabelle speichert private IP-Adressen und zugehörige Portnummern.</a:t>
             </a:r>
           </a:p>
           <a:p>
             <a:r>
-              <a:rPr lang="de-DE"/>
+              <a:rPr lang="de-DE">
+                <a:solidFill>
+                  <a:schemeClr val="bg1"/>
+                </a:solidFill>
+              </a:rPr>
               <a:t>- Ermöglicht die korrekte Weiterleitung von Datenpaketen an die internen Geräte.</a:t>
             </a:r>
           </a:p>
@@ -5078,6 +5149,11 @@
           <a:lstStyle/>
           <a:p>
             <a:r>
+              <a:rPr>
+                <a:solidFill>
+                  <a:schemeClr val="bg1"/>
+                </a:solidFill>
+              </a:rPr>
               <a:t>Arten von NAT</a:t>
             </a:r>
           </a:p>
@@ -5276,25 +5352,41 @@
           </a:lstStyle>
           <a:p>
             <a:r>
-              <a:rPr lang="de-DE"/>
+              <a:rPr lang="de-DE">
+                <a:solidFill>
+                  <a:schemeClr val="bg1"/>
+                </a:solidFill>
+              </a:rPr>
               <a:t>1. Statisches NAT: Feste Zuordnung zwischen privater und öffentlicher IP-Adresse.</a:t>
             </a:r>
           </a:p>
           <a:p>
             <a:r>
-              <a:rPr lang="de-DE"/>
+              <a:rPr lang="de-DE">
+                <a:solidFill>
+                  <a:schemeClr val="bg1"/>
+                </a:solidFill>
+              </a:rPr>
               <a:t>2. Dynamisches NAT: Dynamische Zuordnung aus einem Pool öffentlicher IP-Adressen.</a:t>
             </a:r>
           </a:p>
           <a:p>
             <a:r>
-              <a:rPr lang="de-DE"/>
+              <a:rPr lang="de-DE">
+                <a:solidFill>
+                  <a:schemeClr val="bg1"/>
+                </a:solidFill>
+              </a:rPr>
               <a:t>3. NAT mit PAT: Gemeinsame Nutzung einer öffentlichen IP-Adresse durch mehrere Geräte.</a:t>
             </a:r>
           </a:p>
           <a:p>
             <a:r>
-              <a:rPr lang="de-DE"/>
+              <a:rPr lang="de-DE">
+                <a:solidFill>
+                  <a:schemeClr val="bg1"/>
+                </a:solidFill>
+              </a:rPr>
               <a:t>4. NAPT: Übersetzt sowohl IP-Adressen als auch Protokolle.</a:t>
             </a:r>
           </a:p>
@@ -5397,6 +5489,11 @@
           <a:lstStyle/>
           <a:p>
             <a:r>
+              <a:rPr>
+                <a:solidFill>
+                  <a:schemeClr val="bg1"/>
+                </a:solidFill>
+              </a:rPr>
               <a:t>Arten von NAT</a:t>
             </a:r>
           </a:p>
@@ -5595,25 +5692,41 @@
           </a:lstStyle>
           <a:p>
             <a:r>
-              <a:rPr lang="de-DE"/>
+              <a:rPr lang="de-DE">
+                <a:solidFill>
+                  <a:schemeClr val="bg1"/>
+                </a:solidFill>
+              </a:rPr>
               <a:t>1. Statisches NAT: Feste Zuordnung zwischen privater und öffentlicher IP-Adresse.</a:t>
             </a:r>
           </a:p>
           <a:p>
             <a:r>
-              <a:rPr lang="de-DE"/>
+              <a:rPr lang="de-DE">
+                <a:solidFill>
+                  <a:schemeClr val="bg1"/>
+                </a:solidFill>
+              </a:rPr>
               <a:t>2. Dynamisches NAT: Dynamische Zuordnung aus einem Pool öffentlicher IP-Adressen.</a:t>
             </a:r>
           </a:p>
           <a:p>
             <a:r>
-              <a:rPr lang="de-DE"/>
+              <a:rPr lang="de-DE">
+                <a:solidFill>
+                  <a:schemeClr val="bg1"/>
+                </a:solidFill>
+              </a:rPr>
               <a:t>3. NAT mit PAT: Gemeinsame Nutzung einer öffentlichen IP-Adresse durch mehrere Geräte.</a:t>
             </a:r>
           </a:p>
           <a:p>
             <a:r>
-              <a:rPr lang="de-DE"/>
+              <a:rPr lang="de-DE">
+                <a:solidFill>
+                  <a:schemeClr val="bg1"/>
+                </a:solidFill>
+              </a:rPr>
               <a:t>4. NAPT: Übersetzt sowohl IP-Adressen als auch Protokolle.</a:t>
             </a:r>
           </a:p>
